--- a/RiverSketch.pptx
+++ b/RiverSketch.pptx
@@ -7,6 +7,7 @@
   <p:sldIdLst>
     <p:sldId id="256" r:id="rId2"/>
     <p:sldId id="257" r:id="rId3"/>
+    <p:sldId id="258" r:id="rId4"/>
   </p:sldIdLst>
   <p:sldSz cx="12192000" cy="6858000"/>
   <p:notesSz cx="6858000" cy="9144000"/>
@@ -271,7 +272,7 @@
           <a:p>
             <a:fld id="{34E92667-9392-4C78-97C7-F2B76DFFAAB2}" type="datetimeFigureOut">
               <a:rPr lang="en-US" smtClean="0"/>
-              <a:t>3/28/2022</a:t>
+              <a:t>11/7/2022</a:t>
             </a:fld>
             <a:endParaRPr lang="en-US"/>
           </a:p>
@@ -469,7 +470,7 @@
           <a:p>
             <a:fld id="{34E92667-9392-4C78-97C7-F2B76DFFAAB2}" type="datetimeFigureOut">
               <a:rPr lang="en-US" smtClean="0"/>
-              <a:t>3/28/2022</a:t>
+              <a:t>11/7/2022</a:t>
             </a:fld>
             <a:endParaRPr lang="en-US"/>
           </a:p>
@@ -677,7 +678,7 @@
           <a:p>
             <a:fld id="{34E92667-9392-4C78-97C7-F2B76DFFAAB2}" type="datetimeFigureOut">
               <a:rPr lang="en-US" smtClean="0"/>
-              <a:t>3/28/2022</a:t>
+              <a:t>11/7/2022</a:t>
             </a:fld>
             <a:endParaRPr lang="en-US"/>
           </a:p>
@@ -875,7 +876,7 @@
           <a:p>
             <a:fld id="{34E92667-9392-4C78-97C7-F2B76DFFAAB2}" type="datetimeFigureOut">
               <a:rPr lang="en-US" smtClean="0"/>
-              <a:t>3/28/2022</a:t>
+              <a:t>11/7/2022</a:t>
             </a:fld>
             <a:endParaRPr lang="en-US"/>
           </a:p>
@@ -1150,7 +1151,7 @@
           <a:p>
             <a:fld id="{34E92667-9392-4C78-97C7-F2B76DFFAAB2}" type="datetimeFigureOut">
               <a:rPr lang="en-US" smtClean="0"/>
-              <a:t>3/28/2022</a:t>
+              <a:t>11/7/2022</a:t>
             </a:fld>
             <a:endParaRPr lang="en-US"/>
           </a:p>
@@ -1415,7 +1416,7 @@
           <a:p>
             <a:fld id="{34E92667-9392-4C78-97C7-F2B76DFFAAB2}" type="datetimeFigureOut">
               <a:rPr lang="en-US" smtClean="0"/>
-              <a:t>3/28/2022</a:t>
+              <a:t>11/7/2022</a:t>
             </a:fld>
             <a:endParaRPr lang="en-US"/>
           </a:p>
@@ -1827,7 +1828,7 @@
           <a:p>
             <a:fld id="{34E92667-9392-4C78-97C7-F2B76DFFAAB2}" type="datetimeFigureOut">
               <a:rPr lang="en-US" smtClean="0"/>
-              <a:t>3/28/2022</a:t>
+              <a:t>11/7/2022</a:t>
             </a:fld>
             <a:endParaRPr lang="en-US"/>
           </a:p>
@@ -1968,7 +1969,7 @@
           <a:p>
             <a:fld id="{34E92667-9392-4C78-97C7-F2B76DFFAAB2}" type="datetimeFigureOut">
               <a:rPr lang="en-US" smtClean="0"/>
-              <a:t>3/28/2022</a:t>
+              <a:t>11/7/2022</a:t>
             </a:fld>
             <a:endParaRPr lang="en-US"/>
           </a:p>
@@ -2081,7 +2082,7 @@
           <a:p>
             <a:fld id="{34E92667-9392-4C78-97C7-F2B76DFFAAB2}" type="datetimeFigureOut">
               <a:rPr lang="en-US" smtClean="0"/>
-              <a:t>3/28/2022</a:t>
+              <a:t>11/7/2022</a:t>
             </a:fld>
             <a:endParaRPr lang="en-US"/>
           </a:p>
@@ -2392,7 +2393,7 @@
           <a:p>
             <a:fld id="{34E92667-9392-4C78-97C7-F2B76DFFAAB2}" type="datetimeFigureOut">
               <a:rPr lang="en-US" smtClean="0"/>
-              <a:t>3/28/2022</a:t>
+              <a:t>11/7/2022</a:t>
             </a:fld>
             <a:endParaRPr lang="en-US"/>
           </a:p>
@@ -2680,7 +2681,7 @@
           <a:p>
             <a:fld id="{34E92667-9392-4C78-97C7-F2B76DFFAAB2}" type="datetimeFigureOut">
               <a:rPr lang="en-US" smtClean="0"/>
-              <a:t>3/28/2022</a:t>
+              <a:t>11/7/2022</a:t>
             </a:fld>
             <a:endParaRPr lang="en-US"/>
           </a:p>
@@ -2921,7 +2922,7 @@
           <a:p>
             <a:fld id="{34E92667-9392-4C78-97C7-F2B76DFFAAB2}" type="datetimeFigureOut">
               <a:rPr lang="en-US" smtClean="0"/>
-              <a:t>3/28/2022</a:t>
+              <a:t>11/7/2022</a:t>
             </a:fld>
             <a:endParaRPr lang="en-US"/>
           </a:p>
@@ -5397,6 +5398,1592 @@
 </p:sld>
 </file>
 
+<file path=ppt/slides/slide3.xml><?xml version="1.0" encoding="utf-8"?>
+<p:sld xmlns:a="http://schemas.openxmlformats.org/drawingml/2006/main" xmlns:r="http://schemas.openxmlformats.org/officeDocument/2006/relationships" xmlns:p="http://schemas.openxmlformats.org/presentationml/2006/main">
+  <p:cSld>
+    <p:spTree>
+      <p:nvGrpSpPr>
+        <p:cNvPr id="1" name=""/>
+        <p:cNvGrpSpPr/>
+        <p:nvPr/>
+      </p:nvGrpSpPr>
+      <p:grpSpPr>
+        <a:xfrm>
+          <a:off x="0" y="0"/>
+          <a:ext cx="0" cy="0"/>
+          <a:chOff x="0" y="0"/>
+          <a:chExt cx="0" cy="0"/>
+        </a:xfrm>
+      </p:grpSpPr>
+      <p:cxnSp>
+        <p:nvCxnSpPr>
+          <p:cNvPr id="45" name="Straight Connector 44">
+            <a:extLst>
+              <a:ext uri="{FF2B5EF4-FFF2-40B4-BE49-F238E27FC236}">
+                <a16:creationId xmlns:a16="http://schemas.microsoft.com/office/drawing/2014/main" id="{C6585C2C-1C66-9A5B-883F-CF37F3058B46}"/>
+              </a:ext>
+            </a:extLst>
+          </p:cNvPr>
+          <p:cNvCxnSpPr>
+            <a:cxnSpLocks/>
+            <a:stCxn id="37" idx="2"/>
+          </p:cNvCxnSpPr>
+          <p:nvPr/>
+        </p:nvCxnSpPr>
+        <p:spPr>
+          <a:xfrm flipH="1" flipV="1">
+            <a:off x="4130040" y="2796063"/>
+            <a:ext cx="1842135" cy="437675"/>
+          </a:xfrm>
+          <a:prstGeom prst="line">
+            <a:avLst/>
+          </a:prstGeom>
+          <a:ln w="76200">
+            <a:prstDash val="sysDot"/>
+          </a:ln>
+        </p:spPr>
+        <p:style>
+          <a:lnRef idx="3">
+            <a:schemeClr val="accent2"/>
+          </a:lnRef>
+          <a:fillRef idx="0">
+            <a:schemeClr val="accent2"/>
+          </a:fillRef>
+          <a:effectRef idx="2">
+            <a:schemeClr val="accent2"/>
+          </a:effectRef>
+          <a:fontRef idx="minor">
+            <a:schemeClr val="tx1"/>
+          </a:fontRef>
+        </p:style>
+      </p:cxnSp>
+      <p:cxnSp>
+        <p:nvCxnSpPr>
+          <p:cNvPr id="47" name="Straight Connector 46">
+            <a:extLst>
+              <a:ext uri="{FF2B5EF4-FFF2-40B4-BE49-F238E27FC236}">
+                <a16:creationId xmlns:a16="http://schemas.microsoft.com/office/drawing/2014/main" id="{03CAA3A4-7EDD-A758-B6A6-83D37258B01E}"/>
+              </a:ext>
+            </a:extLst>
+          </p:cNvPr>
+          <p:cNvCxnSpPr>
+            <a:cxnSpLocks/>
+            <a:stCxn id="37" idx="6"/>
+            <a:endCxn id="36" idx="2"/>
+          </p:cNvCxnSpPr>
+          <p:nvPr/>
+        </p:nvCxnSpPr>
+        <p:spPr>
+          <a:xfrm>
+            <a:off x="6043613" y="3233738"/>
+            <a:ext cx="2600324" cy="195262"/>
+          </a:xfrm>
+          <a:prstGeom prst="line">
+            <a:avLst/>
+          </a:prstGeom>
+          <a:ln w="76200">
+            <a:prstDash val="sysDot"/>
+          </a:ln>
+        </p:spPr>
+        <p:style>
+          <a:lnRef idx="3">
+            <a:schemeClr val="accent2"/>
+          </a:lnRef>
+          <a:fillRef idx="0">
+            <a:schemeClr val="accent2"/>
+          </a:fillRef>
+          <a:effectRef idx="2">
+            <a:schemeClr val="accent2"/>
+          </a:effectRef>
+          <a:fontRef idx="minor">
+            <a:schemeClr val="tx1"/>
+          </a:fontRef>
+        </p:style>
+      </p:cxnSp>
+      <p:cxnSp>
+        <p:nvCxnSpPr>
+          <p:cNvPr id="5" name="Straight Connector 4">
+            <a:extLst>
+              <a:ext uri="{FF2B5EF4-FFF2-40B4-BE49-F238E27FC236}">
+                <a16:creationId xmlns:a16="http://schemas.microsoft.com/office/drawing/2014/main" id="{74946E1E-1A49-F16D-37D3-51132F2C0A4F}"/>
+              </a:ext>
+            </a:extLst>
+          </p:cNvPr>
+          <p:cNvCxnSpPr/>
+          <p:nvPr/>
+        </p:nvCxnSpPr>
+        <p:spPr>
+          <a:xfrm flipV="1">
+            <a:off x="4130040" y="1609344"/>
+            <a:ext cx="1965960" cy="1179576"/>
+          </a:xfrm>
+          <a:prstGeom prst="line">
+            <a:avLst/>
+          </a:prstGeom>
+        </p:spPr>
+        <p:style>
+          <a:lnRef idx="3">
+            <a:schemeClr val="accent1"/>
+          </a:lnRef>
+          <a:fillRef idx="0">
+            <a:schemeClr val="accent1"/>
+          </a:fillRef>
+          <a:effectRef idx="2">
+            <a:schemeClr val="accent1"/>
+          </a:effectRef>
+          <a:fontRef idx="minor">
+            <a:schemeClr val="tx1"/>
+          </a:fontRef>
+        </p:style>
+      </p:cxnSp>
+      <p:cxnSp>
+        <p:nvCxnSpPr>
+          <p:cNvPr id="9" name="Straight Connector 8">
+            <a:extLst>
+              <a:ext uri="{FF2B5EF4-FFF2-40B4-BE49-F238E27FC236}">
+                <a16:creationId xmlns:a16="http://schemas.microsoft.com/office/drawing/2014/main" id="{4B7FDDCA-40CB-4C39-0DD4-3092A3AF9DB7}"/>
+              </a:ext>
+            </a:extLst>
+          </p:cNvPr>
+          <p:cNvCxnSpPr>
+            <a:cxnSpLocks/>
+          </p:cNvCxnSpPr>
+          <p:nvPr/>
+        </p:nvCxnSpPr>
+        <p:spPr>
+          <a:xfrm flipH="1" flipV="1">
+            <a:off x="6096000" y="1609344"/>
+            <a:ext cx="2619375" cy="1819656"/>
+          </a:xfrm>
+          <a:prstGeom prst="line">
+            <a:avLst/>
+          </a:prstGeom>
+        </p:spPr>
+        <p:style>
+          <a:lnRef idx="3">
+            <a:schemeClr val="accent1"/>
+          </a:lnRef>
+          <a:fillRef idx="0">
+            <a:schemeClr val="accent1"/>
+          </a:fillRef>
+          <a:effectRef idx="2">
+            <a:schemeClr val="accent1"/>
+          </a:effectRef>
+          <a:fontRef idx="minor">
+            <a:schemeClr val="tx1"/>
+          </a:fontRef>
+        </p:style>
+      </p:cxnSp>
+      <p:cxnSp>
+        <p:nvCxnSpPr>
+          <p:cNvPr id="12" name="Straight Connector 11">
+            <a:extLst>
+              <a:ext uri="{FF2B5EF4-FFF2-40B4-BE49-F238E27FC236}">
+                <a16:creationId xmlns:a16="http://schemas.microsoft.com/office/drawing/2014/main" id="{B9ABFE22-D909-6B6C-6B04-10A3FD3E2D2B}"/>
+              </a:ext>
+            </a:extLst>
+          </p:cNvPr>
+          <p:cNvCxnSpPr>
+            <a:cxnSpLocks/>
+          </p:cNvCxnSpPr>
+          <p:nvPr/>
+        </p:nvCxnSpPr>
+        <p:spPr>
+          <a:xfrm>
+            <a:off x="4130040" y="2788920"/>
+            <a:ext cx="108585" cy="1163955"/>
+          </a:xfrm>
+          <a:prstGeom prst="line">
+            <a:avLst/>
+          </a:prstGeom>
+        </p:spPr>
+        <p:style>
+          <a:lnRef idx="3">
+            <a:schemeClr val="accent1"/>
+          </a:lnRef>
+          <a:fillRef idx="0">
+            <a:schemeClr val="accent1"/>
+          </a:fillRef>
+          <a:effectRef idx="2">
+            <a:schemeClr val="accent1"/>
+          </a:effectRef>
+          <a:fontRef idx="minor">
+            <a:schemeClr val="tx1"/>
+          </a:fontRef>
+        </p:style>
+      </p:cxnSp>
+      <p:cxnSp>
+        <p:nvCxnSpPr>
+          <p:cNvPr id="15" name="Straight Connector 14">
+            <a:extLst>
+              <a:ext uri="{FF2B5EF4-FFF2-40B4-BE49-F238E27FC236}">
+                <a16:creationId xmlns:a16="http://schemas.microsoft.com/office/drawing/2014/main" id="{156EF084-F8BB-88AF-A067-3378F36EA94E}"/>
+              </a:ext>
+            </a:extLst>
+          </p:cNvPr>
+          <p:cNvCxnSpPr>
+            <a:cxnSpLocks/>
+          </p:cNvCxnSpPr>
+          <p:nvPr/>
+        </p:nvCxnSpPr>
+        <p:spPr>
+          <a:xfrm flipH="1" flipV="1">
+            <a:off x="4238625" y="3952875"/>
+            <a:ext cx="2124075" cy="633413"/>
+          </a:xfrm>
+          <a:prstGeom prst="line">
+            <a:avLst/>
+          </a:prstGeom>
+        </p:spPr>
+        <p:style>
+          <a:lnRef idx="3">
+            <a:schemeClr val="accent1"/>
+          </a:lnRef>
+          <a:fillRef idx="0">
+            <a:schemeClr val="accent1"/>
+          </a:fillRef>
+          <a:effectRef idx="2">
+            <a:schemeClr val="accent1"/>
+          </a:effectRef>
+          <a:fontRef idx="minor">
+            <a:schemeClr val="tx1"/>
+          </a:fontRef>
+        </p:style>
+      </p:cxnSp>
+      <p:cxnSp>
+        <p:nvCxnSpPr>
+          <p:cNvPr id="18" name="Straight Connector 17">
+            <a:extLst>
+              <a:ext uri="{FF2B5EF4-FFF2-40B4-BE49-F238E27FC236}">
+                <a16:creationId xmlns:a16="http://schemas.microsoft.com/office/drawing/2014/main" id="{39DDC617-780A-2455-4E27-3D3FCCAE616B}"/>
+              </a:ext>
+            </a:extLst>
+          </p:cNvPr>
+          <p:cNvCxnSpPr>
+            <a:cxnSpLocks/>
+          </p:cNvCxnSpPr>
+          <p:nvPr/>
+        </p:nvCxnSpPr>
+        <p:spPr>
+          <a:xfrm flipV="1">
+            <a:off x="6362700" y="3429000"/>
+            <a:ext cx="2352675" cy="1157288"/>
+          </a:xfrm>
+          <a:prstGeom prst="line">
+            <a:avLst/>
+          </a:prstGeom>
+        </p:spPr>
+        <p:style>
+          <a:lnRef idx="3">
+            <a:schemeClr val="accent1"/>
+          </a:lnRef>
+          <a:fillRef idx="0">
+            <a:schemeClr val="accent1"/>
+          </a:fillRef>
+          <a:effectRef idx="2">
+            <a:schemeClr val="accent1"/>
+          </a:effectRef>
+          <a:fontRef idx="minor">
+            <a:schemeClr val="tx1"/>
+          </a:fontRef>
+        </p:style>
+      </p:cxnSp>
+      <p:cxnSp>
+        <p:nvCxnSpPr>
+          <p:cNvPr id="21" name="Straight Connector 20">
+            <a:extLst>
+              <a:ext uri="{FF2B5EF4-FFF2-40B4-BE49-F238E27FC236}">
+                <a16:creationId xmlns:a16="http://schemas.microsoft.com/office/drawing/2014/main" id="{D2CF95FE-8AB0-221C-656F-661297A06316}"/>
+              </a:ext>
+            </a:extLst>
+          </p:cNvPr>
+          <p:cNvCxnSpPr>
+            <a:cxnSpLocks/>
+          </p:cNvCxnSpPr>
+          <p:nvPr/>
+        </p:nvCxnSpPr>
+        <p:spPr>
+          <a:xfrm>
+            <a:off x="6005513" y="3233738"/>
+            <a:ext cx="2709862" cy="195262"/>
+          </a:xfrm>
+          <a:prstGeom prst="line">
+            <a:avLst/>
+          </a:prstGeom>
+        </p:spPr>
+        <p:style>
+          <a:lnRef idx="3">
+            <a:schemeClr val="accent1"/>
+          </a:lnRef>
+          <a:fillRef idx="0">
+            <a:schemeClr val="accent1"/>
+          </a:fillRef>
+          <a:effectRef idx="2">
+            <a:schemeClr val="accent1"/>
+          </a:effectRef>
+          <a:fontRef idx="minor">
+            <a:schemeClr val="tx1"/>
+          </a:fontRef>
+        </p:style>
+      </p:cxnSp>
+      <p:cxnSp>
+        <p:nvCxnSpPr>
+          <p:cNvPr id="24" name="Straight Connector 23">
+            <a:extLst>
+              <a:ext uri="{FF2B5EF4-FFF2-40B4-BE49-F238E27FC236}">
+                <a16:creationId xmlns:a16="http://schemas.microsoft.com/office/drawing/2014/main" id="{02E1B67E-8BC4-2C02-76B7-2B3C5018FA45}"/>
+              </a:ext>
+            </a:extLst>
+          </p:cNvPr>
+          <p:cNvCxnSpPr>
+            <a:cxnSpLocks/>
+          </p:cNvCxnSpPr>
+          <p:nvPr/>
+        </p:nvCxnSpPr>
+        <p:spPr>
+          <a:xfrm flipH="1" flipV="1">
+            <a:off x="4130040" y="2788920"/>
+            <a:ext cx="1875473" cy="444818"/>
+          </a:xfrm>
+          <a:prstGeom prst="line">
+            <a:avLst/>
+          </a:prstGeom>
+        </p:spPr>
+        <p:style>
+          <a:lnRef idx="3">
+            <a:schemeClr val="accent1"/>
+          </a:lnRef>
+          <a:fillRef idx="0">
+            <a:schemeClr val="accent1"/>
+          </a:fillRef>
+          <a:effectRef idx="2">
+            <a:schemeClr val="accent1"/>
+          </a:effectRef>
+          <a:fontRef idx="minor">
+            <a:schemeClr val="tx1"/>
+          </a:fontRef>
+        </p:style>
+      </p:cxnSp>
+      <p:cxnSp>
+        <p:nvCxnSpPr>
+          <p:cNvPr id="27" name="Straight Connector 26">
+            <a:extLst>
+              <a:ext uri="{FF2B5EF4-FFF2-40B4-BE49-F238E27FC236}">
+                <a16:creationId xmlns:a16="http://schemas.microsoft.com/office/drawing/2014/main" id="{FBF447C5-89CD-E05D-5825-D4E4BAA79E13}"/>
+              </a:ext>
+            </a:extLst>
+          </p:cNvPr>
+          <p:cNvCxnSpPr>
+            <a:cxnSpLocks/>
+          </p:cNvCxnSpPr>
+          <p:nvPr/>
+        </p:nvCxnSpPr>
+        <p:spPr>
+          <a:xfrm flipV="1">
+            <a:off x="6005513" y="1609344"/>
+            <a:ext cx="90487" cy="1624394"/>
+          </a:xfrm>
+          <a:prstGeom prst="line">
+            <a:avLst/>
+          </a:prstGeom>
+        </p:spPr>
+        <p:style>
+          <a:lnRef idx="3">
+            <a:schemeClr val="accent1"/>
+          </a:lnRef>
+          <a:fillRef idx="0">
+            <a:schemeClr val="accent1"/>
+          </a:fillRef>
+          <a:effectRef idx="2">
+            <a:schemeClr val="accent1"/>
+          </a:effectRef>
+          <a:fontRef idx="minor">
+            <a:schemeClr val="tx1"/>
+          </a:fontRef>
+        </p:style>
+      </p:cxnSp>
+      <p:cxnSp>
+        <p:nvCxnSpPr>
+          <p:cNvPr id="30" name="Straight Connector 29">
+            <a:extLst>
+              <a:ext uri="{FF2B5EF4-FFF2-40B4-BE49-F238E27FC236}">
+                <a16:creationId xmlns:a16="http://schemas.microsoft.com/office/drawing/2014/main" id="{43CAB8E8-C9ED-FCD5-FF25-F79ADFD2BE91}"/>
+              </a:ext>
+            </a:extLst>
+          </p:cNvPr>
+          <p:cNvCxnSpPr>
+            <a:cxnSpLocks/>
+          </p:cNvCxnSpPr>
+          <p:nvPr/>
+        </p:nvCxnSpPr>
+        <p:spPr>
+          <a:xfrm>
+            <a:off x="6005513" y="3233738"/>
+            <a:ext cx="357187" cy="1352550"/>
+          </a:xfrm>
+          <a:prstGeom prst="line">
+            <a:avLst/>
+          </a:prstGeom>
+        </p:spPr>
+        <p:style>
+          <a:lnRef idx="3">
+            <a:schemeClr val="accent1"/>
+          </a:lnRef>
+          <a:fillRef idx="0">
+            <a:schemeClr val="accent1"/>
+          </a:fillRef>
+          <a:effectRef idx="2">
+            <a:schemeClr val="accent1"/>
+          </a:effectRef>
+          <a:fontRef idx="minor">
+            <a:schemeClr val="tx1"/>
+          </a:fontRef>
+        </p:style>
+      </p:cxnSp>
+      <p:sp>
+        <p:nvSpPr>
+          <p:cNvPr id="33" name="Oval 32">
+            <a:extLst>
+              <a:ext uri="{FF2B5EF4-FFF2-40B4-BE49-F238E27FC236}">
+                <a16:creationId xmlns:a16="http://schemas.microsoft.com/office/drawing/2014/main" id="{7460F6F2-A3E0-31C1-7C45-5EF6A8AD358F}"/>
+              </a:ext>
+            </a:extLst>
+          </p:cNvPr>
+          <p:cNvSpPr/>
+          <p:nvPr/>
+        </p:nvSpPr>
+        <p:spPr>
+          <a:xfrm>
+            <a:off x="6057900" y="1590292"/>
+            <a:ext cx="71438" cy="71438"/>
+          </a:xfrm>
+          <a:prstGeom prst="ellipse">
+            <a:avLst/>
+          </a:prstGeom>
+        </p:spPr>
+        <p:style>
+          <a:lnRef idx="2">
+            <a:schemeClr val="dk1">
+              <a:shade val="50000"/>
+            </a:schemeClr>
+          </a:lnRef>
+          <a:fillRef idx="1">
+            <a:schemeClr val="dk1"/>
+          </a:fillRef>
+          <a:effectRef idx="0">
+            <a:schemeClr val="dk1"/>
+          </a:effectRef>
+          <a:fontRef idx="minor">
+            <a:schemeClr val="lt1"/>
+          </a:fontRef>
+        </p:style>
+        <p:txBody>
+          <a:bodyPr rtlCol="0" anchor="ctr"/>
+          <a:lstStyle/>
+          <a:p>
+            <a:pPr algn="ctr"/>
+            <a:endParaRPr lang="en-US"/>
+          </a:p>
+        </p:txBody>
+      </p:sp>
+      <p:sp>
+        <p:nvSpPr>
+          <p:cNvPr id="34" name="Oval 33">
+            <a:extLst>
+              <a:ext uri="{FF2B5EF4-FFF2-40B4-BE49-F238E27FC236}">
+                <a16:creationId xmlns:a16="http://schemas.microsoft.com/office/drawing/2014/main" id="{BE2BB0A4-B6D0-DBCC-18AF-79040D1D459E}"/>
+              </a:ext>
+            </a:extLst>
+          </p:cNvPr>
+          <p:cNvSpPr/>
+          <p:nvPr/>
+        </p:nvSpPr>
+        <p:spPr>
+          <a:xfrm>
+            <a:off x="4096702" y="2753201"/>
+            <a:ext cx="71438" cy="71438"/>
+          </a:xfrm>
+          <a:prstGeom prst="ellipse">
+            <a:avLst/>
+          </a:prstGeom>
+        </p:spPr>
+        <p:style>
+          <a:lnRef idx="2">
+            <a:schemeClr val="dk1">
+              <a:shade val="50000"/>
+            </a:schemeClr>
+          </a:lnRef>
+          <a:fillRef idx="1">
+            <a:schemeClr val="dk1"/>
+          </a:fillRef>
+          <a:effectRef idx="0">
+            <a:schemeClr val="dk1"/>
+          </a:effectRef>
+          <a:fontRef idx="minor">
+            <a:schemeClr val="lt1"/>
+          </a:fontRef>
+        </p:style>
+        <p:txBody>
+          <a:bodyPr rtlCol="0" anchor="ctr"/>
+          <a:lstStyle/>
+          <a:p>
+            <a:pPr algn="ctr"/>
+            <a:endParaRPr lang="en-US"/>
+          </a:p>
+        </p:txBody>
+      </p:sp>
+      <p:sp>
+        <p:nvSpPr>
+          <p:cNvPr id="35" name="Oval 34">
+            <a:extLst>
+              <a:ext uri="{FF2B5EF4-FFF2-40B4-BE49-F238E27FC236}">
+                <a16:creationId xmlns:a16="http://schemas.microsoft.com/office/drawing/2014/main" id="{213A8BC8-7149-87E6-5040-7D74F8DBB652}"/>
+              </a:ext>
+            </a:extLst>
+          </p:cNvPr>
+          <p:cNvSpPr/>
+          <p:nvPr/>
+        </p:nvSpPr>
+        <p:spPr>
+          <a:xfrm>
+            <a:off x="6324600" y="4550569"/>
+            <a:ext cx="71438" cy="71438"/>
+          </a:xfrm>
+          <a:prstGeom prst="ellipse">
+            <a:avLst/>
+          </a:prstGeom>
+        </p:spPr>
+        <p:style>
+          <a:lnRef idx="2">
+            <a:schemeClr val="dk1">
+              <a:shade val="50000"/>
+            </a:schemeClr>
+          </a:lnRef>
+          <a:fillRef idx="1">
+            <a:schemeClr val="dk1"/>
+          </a:fillRef>
+          <a:effectRef idx="0">
+            <a:schemeClr val="dk1"/>
+          </a:effectRef>
+          <a:fontRef idx="minor">
+            <a:schemeClr val="lt1"/>
+          </a:fontRef>
+        </p:style>
+        <p:txBody>
+          <a:bodyPr rtlCol="0" anchor="ctr"/>
+          <a:lstStyle/>
+          <a:p>
+            <a:pPr algn="ctr"/>
+            <a:endParaRPr lang="en-US"/>
+          </a:p>
+        </p:txBody>
+      </p:sp>
+      <p:sp>
+        <p:nvSpPr>
+          <p:cNvPr id="36" name="Oval 35">
+            <a:extLst>
+              <a:ext uri="{FF2B5EF4-FFF2-40B4-BE49-F238E27FC236}">
+                <a16:creationId xmlns:a16="http://schemas.microsoft.com/office/drawing/2014/main" id="{8B41D129-56D0-C595-445F-ED64C2EAD1A3}"/>
+              </a:ext>
+            </a:extLst>
+          </p:cNvPr>
+          <p:cNvSpPr/>
+          <p:nvPr/>
+        </p:nvSpPr>
+        <p:spPr>
+          <a:xfrm>
+            <a:off x="8643937" y="3393281"/>
+            <a:ext cx="71438" cy="71438"/>
+          </a:xfrm>
+          <a:prstGeom prst="ellipse">
+            <a:avLst/>
+          </a:prstGeom>
+        </p:spPr>
+        <p:style>
+          <a:lnRef idx="2">
+            <a:schemeClr val="dk1">
+              <a:shade val="50000"/>
+            </a:schemeClr>
+          </a:lnRef>
+          <a:fillRef idx="1">
+            <a:schemeClr val="dk1"/>
+          </a:fillRef>
+          <a:effectRef idx="0">
+            <a:schemeClr val="dk1"/>
+          </a:effectRef>
+          <a:fontRef idx="minor">
+            <a:schemeClr val="lt1"/>
+          </a:fontRef>
+        </p:style>
+        <p:txBody>
+          <a:bodyPr rtlCol="0" anchor="ctr"/>
+          <a:lstStyle/>
+          <a:p>
+            <a:pPr algn="ctr"/>
+            <a:endParaRPr lang="en-US"/>
+          </a:p>
+        </p:txBody>
+      </p:sp>
+      <p:sp>
+        <p:nvSpPr>
+          <p:cNvPr id="37" name="Oval 36">
+            <a:extLst>
+              <a:ext uri="{FF2B5EF4-FFF2-40B4-BE49-F238E27FC236}">
+                <a16:creationId xmlns:a16="http://schemas.microsoft.com/office/drawing/2014/main" id="{7752AD2D-978F-53A0-BAE7-C42768F259EA}"/>
+              </a:ext>
+            </a:extLst>
+          </p:cNvPr>
+          <p:cNvSpPr/>
+          <p:nvPr/>
+        </p:nvSpPr>
+        <p:spPr>
+          <a:xfrm>
+            <a:off x="5972175" y="3198019"/>
+            <a:ext cx="71438" cy="71438"/>
+          </a:xfrm>
+          <a:prstGeom prst="ellipse">
+            <a:avLst/>
+          </a:prstGeom>
+        </p:spPr>
+        <p:style>
+          <a:lnRef idx="2">
+            <a:schemeClr val="dk1">
+              <a:shade val="50000"/>
+            </a:schemeClr>
+          </a:lnRef>
+          <a:fillRef idx="1">
+            <a:schemeClr val="dk1"/>
+          </a:fillRef>
+          <a:effectRef idx="0">
+            <a:schemeClr val="dk1"/>
+          </a:effectRef>
+          <a:fontRef idx="minor">
+            <a:schemeClr val="lt1"/>
+          </a:fontRef>
+        </p:style>
+        <p:txBody>
+          <a:bodyPr rtlCol="0" anchor="ctr"/>
+          <a:lstStyle/>
+          <a:p>
+            <a:pPr algn="ctr"/>
+            <a:endParaRPr lang="en-US"/>
+          </a:p>
+        </p:txBody>
+      </p:sp>
+      <p:sp>
+        <p:nvSpPr>
+          <p:cNvPr id="38" name="Oval 37">
+            <a:extLst>
+              <a:ext uri="{FF2B5EF4-FFF2-40B4-BE49-F238E27FC236}">
+                <a16:creationId xmlns:a16="http://schemas.microsoft.com/office/drawing/2014/main" id="{50D22CA6-A900-1BB9-64E6-C250171CC6E7}"/>
+              </a:ext>
+            </a:extLst>
+          </p:cNvPr>
+          <p:cNvSpPr/>
+          <p:nvPr/>
+        </p:nvSpPr>
+        <p:spPr>
+          <a:xfrm>
+            <a:off x="4200525" y="3917156"/>
+            <a:ext cx="71438" cy="71438"/>
+          </a:xfrm>
+          <a:prstGeom prst="ellipse">
+            <a:avLst/>
+          </a:prstGeom>
+        </p:spPr>
+        <p:style>
+          <a:lnRef idx="2">
+            <a:schemeClr val="dk1">
+              <a:shade val="50000"/>
+            </a:schemeClr>
+          </a:lnRef>
+          <a:fillRef idx="1">
+            <a:schemeClr val="dk1"/>
+          </a:fillRef>
+          <a:effectRef idx="0">
+            <a:schemeClr val="dk1"/>
+          </a:effectRef>
+          <a:fontRef idx="minor">
+            <a:schemeClr val="lt1"/>
+          </a:fontRef>
+        </p:style>
+        <p:txBody>
+          <a:bodyPr rtlCol="0" anchor="ctr"/>
+          <a:lstStyle/>
+          <a:p>
+            <a:pPr algn="ctr"/>
+            <a:endParaRPr lang="en-US"/>
+          </a:p>
+        </p:txBody>
+      </p:sp>
+      <p:sp>
+        <p:nvSpPr>
+          <p:cNvPr id="39" name="TextBox 38">
+            <a:extLst>
+              <a:ext uri="{FF2B5EF4-FFF2-40B4-BE49-F238E27FC236}">
+                <a16:creationId xmlns:a16="http://schemas.microsoft.com/office/drawing/2014/main" id="{8C9BDB7A-7C4A-4C07-05C4-29F391E06A50}"/>
+              </a:ext>
+            </a:extLst>
+          </p:cNvPr>
+          <p:cNvSpPr txBox="1"/>
+          <p:nvPr/>
+        </p:nvSpPr>
+        <p:spPr>
+          <a:xfrm>
+            <a:off x="3888198" y="2541805"/>
+            <a:ext cx="276038" cy="307777"/>
+          </a:xfrm>
+          <a:prstGeom prst="rect">
+            <a:avLst/>
+          </a:prstGeom>
+          <a:noFill/>
+        </p:spPr>
+        <p:txBody>
+          <a:bodyPr wrap="none" rtlCol="0">
+            <a:spAutoFit/>
+          </a:bodyPr>
+          <a:lstStyle/>
+          <a:p>
+            <a:r>
+              <a:rPr lang="en-US" sz="1400" dirty="0"/>
+              <a:t>1</a:t>
+            </a:r>
+          </a:p>
+        </p:txBody>
+      </p:sp>
+      <p:sp>
+        <p:nvSpPr>
+          <p:cNvPr id="40" name="TextBox 39">
+            <a:extLst>
+              <a:ext uri="{FF2B5EF4-FFF2-40B4-BE49-F238E27FC236}">
+                <a16:creationId xmlns:a16="http://schemas.microsoft.com/office/drawing/2014/main" id="{E446611E-693A-3837-48A0-C2130EFA4BE9}"/>
+              </a:ext>
+            </a:extLst>
+          </p:cNvPr>
+          <p:cNvSpPr txBox="1"/>
+          <p:nvPr/>
+        </p:nvSpPr>
+        <p:spPr>
+          <a:xfrm>
+            <a:off x="5819962" y="3187006"/>
+            <a:ext cx="276038" cy="307777"/>
+          </a:xfrm>
+          <a:prstGeom prst="rect">
+            <a:avLst/>
+          </a:prstGeom>
+          <a:noFill/>
+        </p:spPr>
+        <p:txBody>
+          <a:bodyPr wrap="none" rtlCol="0">
+            <a:spAutoFit/>
+          </a:bodyPr>
+          <a:lstStyle/>
+          <a:p>
+            <a:r>
+              <a:rPr lang="en-US" sz="1400" dirty="0"/>
+              <a:t>2</a:t>
+            </a:r>
+          </a:p>
+        </p:txBody>
+      </p:sp>
+      <p:sp>
+        <p:nvSpPr>
+          <p:cNvPr id="41" name="TextBox 40">
+            <a:extLst>
+              <a:ext uri="{FF2B5EF4-FFF2-40B4-BE49-F238E27FC236}">
+                <a16:creationId xmlns:a16="http://schemas.microsoft.com/office/drawing/2014/main" id="{1FF6ADC7-3928-1AD4-1A56-B3CE5829379A}"/>
+              </a:ext>
+            </a:extLst>
+          </p:cNvPr>
+          <p:cNvSpPr txBox="1"/>
+          <p:nvPr/>
+        </p:nvSpPr>
+        <p:spPr>
+          <a:xfrm>
+            <a:off x="8665239" y="3257252"/>
+            <a:ext cx="276038" cy="307777"/>
+          </a:xfrm>
+          <a:prstGeom prst="rect">
+            <a:avLst/>
+          </a:prstGeom>
+          <a:noFill/>
+        </p:spPr>
+        <p:txBody>
+          <a:bodyPr wrap="none" rtlCol="0">
+            <a:spAutoFit/>
+          </a:bodyPr>
+          <a:lstStyle/>
+          <a:p>
+            <a:r>
+              <a:rPr lang="en-US" sz="1400" dirty="0"/>
+              <a:t>3</a:t>
+            </a:r>
+          </a:p>
+        </p:txBody>
+      </p:sp>
+      <p:sp>
+        <p:nvSpPr>
+          <p:cNvPr id="42" name="TextBox 41">
+            <a:extLst>
+              <a:ext uri="{FF2B5EF4-FFF2-40B4-BE49-F238E27FC236}">
+                <a16:creationId xmlns:a16="http://schemas.microsoft.com/office/drawing/2014/main" id="{5B1A4E32-66DB-A3FD-7C03-23EE73F62A5C}"/>
+              </a:ext>
+            </a:extLst>
+          </p:cNvPr>
+          <p:cNvSpPr txBox="1"/>
+          <p:nvPr/>
+        </p:nvSpPr>
+        <p:spPr>
+          <a:xfrm>
+            <a:off x="3996148" y="3910013"/>
+            <a:ext cx="276038" cy="307777"/>
+          </a:xfrm>
+          <a:prstGeom prst="rect">
+            <a:avLst/>
+          </a:prstGeom>
+          <a:noFill/>
+        </p:spPr>
+        <p:txBody>
+          <a:bodyPr wrap="none" rtlCol="0">
+            <a:spAutoFit/>
+          </a:bodyPr>
+          <a:lstStyle/>
+          <a:p>
+            <a:r>
+              <a:rPr lang="en-US" sz="1400" dirty="0"/>
+              <a:t>6</a:t>
+            </a:r>
+          </a:p>
+        </p:txBody>
+      </p:sp>
+      <p:sp>
+        <p:nvSpPr>
+          <p:cNvPr id="43" name="TextBox 42">
+            <a:extLst>
+              <a:ext uri="{FF2B5EF4-FFF2-40B4-BE49-F238E27FC236}">
+                <a16:creationId xmlns:a16="http://schemas.microsoft.com/office/drawing/2014/main" id="{F90C139B-86AB-EF48-823D-6DED8FF62613}"/>
+              </a:ext>
+            </a:extLst>
+          </p:cNvPr>
+          <p:cNvSpPr txBox="1"/>
+          <p:nvPr/>
+        </p:nvSpPr>
+        <p:spPr>
+          <a:xfrm>
+            <a:off x="6258019" y="4586288"/>
+            <a:ext cx="276038" cy="307777"/>
+          </a:xfrm>
+          <a:prstGeom prst="rect">
+            <a:avLst/>
+          </a:prstGeom>
+          <a:noFill/>
+        </p:spPr>
+        <p:txBody>
+          <a:bodyPr wrap="none" rtlCol="0">
+            <a:spAutoFit/>
+          </a:bodyPr>
+          <a:lstStyle/>
+          <a:p>
+            <a:r>
+              <a:rPr lang="en-US" sz="1400" dirty="0"/>
+              <a:t>5</a:t>
+            </a:r>
+          </a:p>
+        </p:txBody>
+      </p:sp>
+      <p:sp>
+        <p:nvSpPr>
+          <p:cNvPr id="44" name="TextBox 43">
+            <a:extLst>
+              <a:ext uri="{FF2B5EF4-FFF2-40B4-BE49-F238E27FC236}">
+                <a16:creationId xmlns:a16="http://schemas.microsoft.com/office/drawing/2014/main" id="{BE1856DA-FF9A-7269-828A-5A5336B7CE0C}"/>
+              </a:ext>
+            </a:extLst>
+          </p:cNvPr>
+          <p:cNvSpPr txBox="1"/>
+          <p:nvPr/>
+        </p:nvSpPr>
+        <p:spPr>
+          <a:xfrm>
+            <a:off x="6035246" y="1361884"/>
+            <a:ext cx="276038" cy="307777"/>
+          </a:xfrm>
+          <a:prstGeom prst="rect">
+            <a:avLst/>
+          </a:prstGeom>
+          <a:noFill/>
+        </p:spPr>
+        <p:txBody>
+          <a:bodyPr wrap="none" rtlCol="0">
+            <a:spAutoFit/>
+          </a:bodyPr>
+          <a:lstStyle/>
+          <a:p>
+            <a:r>
+              <a:rPr lang="en-US" sz="1400" dirty="0"/>
+              <a:t>4</a:t>
+            </a:r>
+          </a:p>
+        </p:txBody>
+      </p:sp>
+      <p:sp>
+        <p:nvSpPr>
+          <p:cNvPr id="58" name="TextBox 57">
+            <a:extLst>
+              <a:ext uri="{FF2B5EF4-FFF2-40B4-BE49-F238E27FC236}">
+                <a16:creationId xmlns:a16="http://schemas.microsoft.com/office/drawing/2014/main" id="{7CD23F3A-4EB4-BFD1-8C46-4DD92B0F9959}"/>
+              </a:ext>
+            </a:extLst>
+          </p:cNvPr>
+          <p:cNvSpPr txBox="1"/>
+          <p:nvPr/>
+        </p:nvSpPr>
+        <p:spPr>
+          <a:xfrm>
+            <a:off x="4429788" y="1825790"/>
+            <a:ext cx="921984" cy="307777"/>
+          </a:xfrm>
+          <a:prstGeom prst="rect">
+            <a:avLst/>
+          </a:prstGeom>
+          <a:noFill/>
+        </p:spPr>
+        <p:txBody>
+          <a:bodyPr wrap="none" rtlCol="0">
+            <a:spAutoFit/>
+          </a:bodyPr>
+          <a:lstStyle/>
+          <a:p>
+            <a:r>
+              <a:rPr lang="en-US" sz="1400" dirty="0"/>
+              <a:t>Element 1</a:t>
+            </a:r>
+          </a:p>
+        </p:txBody>
+      </p:sp>
+      <p:sp>
+        <p:nvSpPr>
+          <p:cNvPr id="59" name="TextBox 58">
+            <a:extLst>
+              <a:ext uri="{FF2B5EF4-FFF2-40B4-BE49-F238E27FC236}">
+                <a16:creationId xmlns:a16="http://schemas.microsoft.com/office/drawing/2014/main" id="{5851BF08-1F7E-6145-AA98-694CDD1E1640}"/>
+              </a:ext>
+            </a:extLst>
+          </p:cNvPr>
+          <p:cNvSpPr txBox="1"/>
+          <p:nvPr/>
+        </p:nvSpPr>
+        <p:spPr>
+          <a:xfrm>
+            <a:off x="7071405" y="1958280"/>
+            <a:ext cx="921984" cy="307777"/>
+          </a:xfrm>
+          <a:prstGeom prst="rect">
+            <a:avLst/>
+          </a:prstGeom>
+          <a:noFill/>
+        </p:spPr>
+        <p:txBody>
+          <a:bodyPr wrap="none" rtlCol="0">
+            <a:spAutoFit/>
+          </a:bodyPr>
+          <a:lstStyle/>
+          <a:p>
+            <a:r>
+              <a:rPr lang="en-US" sz="1400" dirty="0"/>
+              <a:t>Element 2</a:t>
+            </a:r>
+          </a:p>
+        </p:txBody>
+      </p:sp>
+      <p:sp>
+        <p:nvSpPr>
+          <p:cNvPr id="60" name="TextBox 59">
+            <a:extLst>
+              <a:ext uri="{FF2B5EF4-FFF2-40B4-BE49-F238E27FC236}">
+                <a16:creationId xmlns:a16="http://schemas.microsoft.com/office/drawing/2014/main" id="{B6690AC3-31B9-2CB2-90BF-8A1C02777AD0}"/>
+              </a:ext>
+            </a:extLst>
+          </p:cNvPr>
+          <p:cNvSpPr txBox="1"/>
+          <p:nvPr/>
+        </p:nvSpPr>
+        <p:spPr>
+          <a:xfrm>
+            <a:off x="7207604" y="4142482"/>
+            <a:ext cx="921984" cy="307777"/>
+          </a:xfrm>
+          <a:prstGeom prst="rect">
+            <a:avLst/>
+          </a:prstGeom>
+          <a:noFill/>
+        </p:spPr>
+        <p:txBody>
+          <a:bodyPr wrap="none" rtlCol="0">
+            <a:spAutoFit/>
+          </a:bodyPr>
+          <a:lstStyle/>
+          <a:p>
+            <a:r>
+              <a:rPr lang="en-US" sz="1400" dirty="0"/>
+              <a:t>Element 3</a:t>
+            </a:r>
+          </a:p>
+        </p:txBody>
+      </p:sp>
+      <p:sp>
+        <p:nvSpPr>
+          <p:cNvPr id="61" name="TextBox 60">
+            <a:extLst>
+              <a:ext uri="{FF2B5EF4-FFF2-40B4-BE49-F238E27FC236}">
+                <a16:creationId xmlns:a16="http://schemas.microsoft.com/office/drawing/2014/main" id="{6A5D8737-3E9A-AAF2-FFDB-DFCDFD5CC434}"/>
+              </a:ext>
+            </a:extLst>
+          </p:cNvPr>
+          <p:cNvSpPr txBox="1"/>
+          <p:nvPr/>
+        </p:nvSpPr>
+        <p:spPr>
+          <a:xfrm>
+            <a:off x="4378678" y="4296370"/>
+            <a:ext cx="921984" cy="307777"/>
+          </a:xfrm>
+          <a:prstGeom prst="rect">
+            <a:avLst/>
+          </a:prstGeom>
+          <a:noFill/>
+        </p:spPr>
+        <p:txBody>
+          <a:bodyPr wrap="none" rtlCol="0">
+            <a:spAutoFit/>
+          </a:bodyPr>
+          <a:lstStyle/>
+          <a:p>
+            <a:r>
+              <a:rPr lang="en-US" sz="1400" dirty="0"/>
+              <a:t>Element 4</a:t>
+            </a:r>
+          </a:p>
+        </p:txBody>
+      </p:sp>
+      <p:cxnSp>
+        <p:nvCxnSpPr>
+          <p:cNvPr id="64" name="Straight Connector 63">
+            <a:extLst>
+              <a:ext uri="{FF2B5EF4-FFF2-40B4-BE49-F238E27FC236}">
+                <a16:creationId xmlns:a16="http://schemas.microsoft.com/office/drawing/2014/main" id="{F5873E15-0B35-1E95-71B2-0443814CC28E}"/>
+              </a:ext>
+            </a:extLst>
+          </p:cNvPr>
+          <p:cNvCxnSpPr>
+            <a:cxnSpLocks/>
+          </p:cNvCxnSpPr>
+          <p:nvPr/>
+        </p:nvCxnSpPr>
+        <p:spPr>
+          <a:xfrm flipH="1" flipV="1">
+            <a:off x="5156295" y="3645098"/>
+            <a:ext cx="1020085" cy="267615"/>
+          </a:xfrm>
+          <a:prstGeom prst="line">
+            <a:avLst/>
+          </a:prstGeom>
+          <a:ln w="19050" cap="flat" cmpd="sng" algn="ctr">
+            <a:solidFill>
+              <a:schemeClr val="accent6"/>
+            </a:solidFill>
+            <a:prstDash val="dash"/>
+            <a:round/>
+            <a:headEnd type="none" w="med" len="med"/>
+            <a:tailEnd type="none" w="med" len="med"/>
+          </a:ln>
+        </p:spPr>
+        <p:style>
+          <a:lnRef idx="0">
+            <a:scrgbClr r="0" g="0" b="0"/>
+          </a:lnRef>
+          <a:fillRef idx="0">
+            <a:scrgbClr r="0" g="0" b="0"/>
+          </a:fillRef>
+          <a:effectRef idx="0">
+            <a:scrgbClr r="0" g="0" b="0"/>
+          </a:effectRef>
+          <a:fontRef idx="minor">
+            <a:schemeClr val="tx1"/>
+          </a:fontRef>
+        </p:style>
+      </p:cxnSp>
+      <p:cxnSp>
+        <p:nvCxnSpPr>
+          <p:cNvPr id="67" name="Straight Connector 66">
+            <a:extLst>
+              <a:ext uri="{FF2B5EF4-FFF2-40B4-BE49-F238E27FC236}">
+                <a16:creationId xmlns:a16="http://schemas.microsoft.com/office/drawing/2014/main" id="{14A9AF84-D9C8-441B-F815-7C3D94204975}"/>
+              </a:ext>
+            </a:extLst>
+          </p:cNvPr>
+          <p:cNvCxnSpPr>
+            <a:cxnSpLocks/>
+          </p:cNvCxnSpPr>
+          <p:nvPr/>
+        </p:nvCxnSpPr>
+        <p:spPr>
+          <a:xfrm>
+            <a:off x="5079459" y="3029564"/>
+            <a:ext cx="76836" cy="615534"/>
+          </a:xfrm>
+          <a:prstGeom prst="line">
+            <a:avLst/>
+          </a:prstGeom>
+          <a:ln w="19050" cap="flat" cmpd="sng" algn="ctr">
+            <a:solidFill>
+              <a:schemeClr val="accent6"/>
+            </a:solidFill>
+            <a:prstDash val="dash"/>
+            <a:round/>
+            <a:headEnd type="none" w="med" len="med"/>
+            <a:tailEnd type="none" w="med" len="med"/>
+          </a:ln>
+        </p:spPr>
+        <p:style>
+          <a:lnRef idx="0">
+            <a:scrgbClr r="0" g="0" b="0"/>
+          </a:lnRef>
+          <a:fillRef idx="0">
+            <a:scrgbClr r="0" g="0" b="0"/>
+          </a:fillRef>
+          <a:effectRef idx="0">
+            <a:scrgbClr r="0" g="0" b="0"/>
+          </a:effectRef>
+          <a:fontRef idx="minor">
+            <a:schemeClr val="tx1"/>
+          </a:fontRef>
+        </p:style>
+      </p:cxnSp>
+      <p:cxnSp>
+        <p:nvCxnSpPr>
+          <p:cNvPr id="70" name="Straight Connector 69">
+            <a:extLst>
+              <a:ext uri="{FF2B5EF4-FFF2-40B4-BE49-F238E27FC236}">
+                <a16:creationId xmlns:a16="http://schemas.microsoft.com/office/drawing/2014/main" id="{5F8F8DE9-A576-FA9F-110E-DE2E44C77780}"/>
+              </a:ext>
+            </a:extLst>
+          </p:cNvPr>
+          <p:cNvCxnSpPr>
+            <a:cxnSpLocks/>
+          </p:cNvCxnSpPr>
+          <p:nvPr/>
+        </p:nvCxnSpPr>
+        <p:spPr>
+          <a:xfrm flipV="1">
+            <a:off x="5081906" y="2645116"/>
+            <a:ext cx="232303" cy="384448"/>
+          </a:xfrm>
+          <a:prstGeom prst="line">
+            <a:avLst/>
+          </a:prstGeom>
+          <a:ln w="19050" cap="flat" cmpd="sng" algn="ctr">
+            <a:solidFill>
+              <a:schemeClr val="accent6"/>
+            </a:solidFill>
+            <a:prstDash val="dash"/>
+            <a:round/>
+            <a:headEnd type="none" w="med" len="med"/>
+            <a:tailEnd type="none" w="med" len="med"/>
+          </a:ln>
+        </p:spPr>
+        <p:style>
+          <a:lnRef idx="0">
+            <a:scrgbClr r="0" g="0" b="0"/>
+          </a:lnRef>
+          <a:fillRef idx="0">
+            <a:scrgbClr r="0" g="0" b="0"/>
+          </a:fillRef>
+          <a:effectRef idx="0">
+            <a:scrgbClr r="0" g="0" b="0"/>
+          </a:effectRef>
+          <a:fontRef idx="minor">
+            <a:schemeClr val="tx1"/>
+          </a:fontRef>
+        </p:style>
+      </p:cxnSp>
+      <p:cxnSp>
+        <p:nvCxnSpPr>
+          <p:cNvPr id="73" name="Straight Connector 72">
+            <a:extLst>
+              <a:ext uri="{FF2B5EF4-FFF2-40B4-BE49-F238E27FC236}">
+                <a16:creationId xmlns:a16="http://schemas.microsoft.com/office/drawing/2014/main" id="{ACCB38F8-A016-827C-1E53-11885CE63305}"/>
+              </a:ext>
+            </a:extLst>
+          </p:cNvPr>
+          <p:cNvCxnSpPr>
+            <a:cxnSpLocks/>
+          </p:cNvCxnSpPr>
+          <p:nvPr/>
+        </p:nvCxnSpPr>
+        <p:spPr>
+          <a:xfrm flipH="1">
+            <a:off x="5314209" y="2519172"/>
+            <a:ext cx="725500" cy="117348"/>
+          </a:xfrm>
+          <a:prstGeom prst="line">
+            <a:avLst/>
+          </a:prstGeom>
+          <a:ln w="19050" cap="flat" cmpd="sng" algn="ctr">
+            <a:solidFill>
+              <a:schemeClr val="accent6"/>
+            </a:solidFill>
+            <a:prstDash val="dash"/>
+            <a:round/>
+            <a:headEnd type="none" w="med" len="med"/>
+            <a:tailEnd type="none" w="med" len="med"/>
+          </a:ln>
+        </p:spPr>
+        <p:style>
+          <a:lnRef idx="0">
+            <a:scrgbClr r="0" g="0" b="0"/>
+          </a:lnRef>
+          <a:fillRef idx="0">
+            <a:scrgbClr r="0" g="0" b="0"/>
+          </a:fillRef>
+          <a:effectRef idx="0">
+            <a:scrgbClr r="0" g="0" b="0"/>
+          </a:effectRef>
+          <a:fontRef idx="minor">
+            <a:schemeClr val="tx1"/>
+          </a:fontRef>
+        </p:style>
+      </p:cxnSp>
+      <p:cxnSp>
+        <p:nvCxnSpPr>
+          <p:cNvPr id="80" name="Straight Connector 79">
+            <a:extLst>
+              <a:ext uri="{FF2B5EF4-FFF2-40B4-BE49-F238E27FC236}">
+                <a16:creationId xmlns:a16="http://schemas.microsoft.com/office/drawing/2014/main" id="{65C65E5C-0EFD-46F5-0C66-00DF08F9FAF4}"/>
+              </a:ext>
+            </a:extLst>
+          </p:cNvPr>
+          <p:cNvCxnSpPr>
+            <a:cxnSpLocks/>
+          </p:cNvCxnSpPr>
+          <p:nvPr/>
+        </p:nvCxnSpPr>
+        <p:spPr>
+          <a:xfrm>
+            <a:off x="6034181" y="2519172"/>
+            <a:ext cx="946737" cy="316480"/>
+          </a:xfrm>
+          <a:prstGeom prst="line">
+            <a:avLst/>
+          </a:prstGeom>
+          <a:ln w="19050" cap="flat" cmpd="sng" algn="ctr">
+            <a:solidFill>
+              <a:schemeClr val="accent6"/>
+            </a:solidFill>
+            <a:prstDash val="dash"/>
+            <a:round/>
+            <a:headEnd type="none" w="med" len="med"/>
+            <a:tailEnd type="none" w="med" len="med"/>
+          </a:ln>
+        </p:spPr>
+        <p:style>
+          <a:lnRef idx="0">
+            <a:scrgbClr r="0" g="0" b="0"/>
+          </a:lnRef>
+          <a:fillRef idx="0">
+            <a:scrgbClr r="0" g="0" b="0"/>
+          </a:fillRef>
+          <a:effectRef idx="0">
+            <a:scrgbClr r="0" g="0" b="0"/>
+          </a:effectRef>
+          <a:fontRef idx="minor">
+            <a:schemeClr val="tx1"/>
+          </a:fontRef>
+        </p:style>
+      </p:cxnSp>
+      <p:cxnSp>
+        <p:nvCxnSpPr>
+          <p:cNvPr id="83" name="Straight Connector 82">
+            <a:extLst>
+              <a:ext uri="{FF2B5EF4-FFF2-40B4-BE49-F238E27FC236}">
+                <a16:creationId xmlns:a16="http://schemas.microsoft.com/office/drawing/2014/main" id="{EBA2500B-44C0-EA10-DF78-D114405CD3CB}"/>
+              </a:ext>
+            </a:extLst>
+          </p:cNvPr>
+          <p:cNvCxnSpPr>
+            <a:cxnSpLocks/>
+          </p:cNvCxnSpPr>
+          <p:nvPr/>
+        </p:nvCxnSpPr>
+        <p:spPr>
+          <a:xfrm flipH="1" flipV="1">
+            <a:off x="6980918" y="2837340"/>
+            <a:ext cx="357187" cy="489678"/>
+          </a:xfrm>
+          <a:prstGeom prst="line">
+            <a:avLst/>
+          </a:prstGeom>
+          <a:ln w="19050" cap="flat" cmpd="sng" algn="ctr">
+            <a:solidFill>
+              <a:schemeClr val="accent6"/>
+            </a:solidFill>
+            <a:prstDash val="dash"/>
+            <a:round/>
+            <a:headEnd type="none" w="med" len="med"/>
+            <a:tailEnd type="none" w="med" len="med"/>
+          </a:ln>
+        </p:spPr>
+        <p:style>
+          <a:lnRef idx="0">
+            <a:scrgbClr r="0" g="0" b="0"/>
+          </a:lnRef>
+          <a:fillRef idx="0">
+            <a:scrgbClr r="0" g="0" b="0"/>
+          </a:fillRef>
+          <a:effectRef idx="0">
+            <a:scrgbClr r="0" g="0" b="0"/>
+          </a:effectRef>
+          <a:fontRef idx="minor">
+            <a:schemeClr val="tx1"/>
+          </a:fontRef>
+        </p:style>
+      </p:cxnSp>
+      <p:cxnSp>
+        <p:nvCxnSpPr>
+          <p:cNvPr id="90" name="Straight Connector 89">
+            <a:extLst>
+              <a:ext uri="{FF2B5EF4-FFF2-40B4-BE49-F238E27FC236}">
+                <a16:creationId xmlns:a16="http://schemas.microsoft.com/office/drawing/2014/main" id="{43EEC51E-9705-6D90-E548-DF9F8CB1A801}"/>
+              </a:ext>
+            </a:extLst>
+          </p:cNvPr>
+          <p:cNvCxnSpPr>
+            <a:cxnSpLocks/>
+          </p:cNvCxnSpPr>
+          <p:nvPr/>
+        </p:nvCxnSpPr>
+        <p:spPr>
+          <a:xfrm flipV="1">
+            <a:off x="6940904" y="3338050"/>
+            <a:ext cx="394819" cy="420193"/>
+          </a:xfrm>
+          <a:prstGeom prst="line">
+            <a:avLst/>
+          </a:prstGeom>
+          <a:ln w="19050" cap="flat" cmpd="sng" algn="ctr">
+            <a:solidFill>
+              <a:schemeClr val="accent6"/>
+            </a:solidFill>
+            <a:prstDash val="dash"/>
+            <a:round/>
+            <a:headEnd type="none" w="med" len="med"/>
+            <a:tailEnd type="none" w="med" len="med"/>
+          </a:ln>
+        </p:spPr>
+        <p:style>
+          <a:lnRef idx="0">
+            <a:scrgbClr r="0" g="0" b="0"/>
+          </a:lnRef>
+          <a:fillRef idx="0">
+            <a:scrgbClr r="0" g="0" b="0"/>
+          </a:fillRef>
+          <a:effectRef idx="0">
+            <a:scrgbClr r="0" g="0" b="0"/>
+          </a:effectRef>
+          <a:fontRef idx="minor">
+            <a:schemeClr val="tx1"/>
+          </a:fontRef>
+        </p:style>
+      </p:cxnSp>
+      <p:cxnSp>
+        <p:nvCxnSpPr>
+          <p:cNvPr id="92" name="Straight Connector 91">
+            <a:extLst>
+              <a:ext uri="{FF2B5EF4-FFF2-40B4-BE49-F238E27FC236}">
+                <a16:creationId xmlns:a16="http://schemas.microsoft.com/office/drawing/2014/main" id="{468F35AA-CC7C-B583-095D-AC8AD620DB6B}"/>
+              </a:ext>
+            </a:extLst>
+          </p:cNvPr>
+          <p:cNvCxnSpPr>
+            <a:cxnSpLocks/>
+          </p:cNvCxnSpPr>
+          <p:nvPr/>
+        </p:nvCxnSpPr>
+        <p:spPr>
+          <a:xfrm flipV="1">
+            <a:off x="6205351" y="3758243"/>
+            <a:ext cx="783142" cy="140058"/>
+          </a:xfrm>
+          <a:prstGeom prst="line">
+            <a:avLst/>
+          </a:prstGeom>
+          <a:ln w="19050" cap="flat" cmpd="sng" algn="ctr">
+            <a:solidFill>
+              <a:schemeClr val="accent6"/>
+            </a:solidFill>
+            <a:prstDash val="dash"/>
+            <a:round/>
+            <a:headEnd type="none" w="med" len="med"/>
+            <a:tailEnd type="none" w="med" len="med"/>
+          </a:ln>
+        </p:spPr>
+        <p:style>
+          <a:lnRef idx="0">
+            <a:scrgbClr r="0" g="0" b="0"/>
+          </a:lnRef>
+          <a:fillRef idx="0">
+            <a:scrgbClr r="0" g="0" b="0"/>
+          </a:fillRef>
+          <a:effectRef idx="0">
+            <a:scrgbClr r="0" g="0" b="0"/>
+          </a:effectRef>
+          <a:fontRef idx="minor">
+            <a:schemeClr val="tx1"/>
+          </a:fontRef>
+        </p:style>
+      </p:cxnSp>
+      <p:cxnSp>
+        <p:nvCxnSpPr>
+          <p:cNvPr id="102" name="Straight Arrow Connector 101">
+            <a:extLst>
+              <a:ext uri="{FF2B5EF4-FFF2-40B4-BE49-F238E27FC236}">
+                <a16:creationId xmlns:a16="http://schemas.microsoft.com/office/drawing/2014/main" id="{B86693F4-DFBC-B259-0E91-0B6675D7F083}"/>
+              </a:ext>
+            </a:extLst>
+          </p:cNvPr>
+          <p:cNvCxnSpPr>
+            <a:cxnSpLocks/>
+          </p:cNvCxnSpPr>
+          <p:nvPr/>
+        </p:nvCxnSpPr>
+        <p:spPr>
+          <a:xfrm>
+            <a:off x="6018735" y="3133651"/>
+            <a:ext cx="1314139" cy="96651"/>
+          </a:xfrm>
+          <a:prstGeom prst="straightConnector1">
+            <a:avLst/>
+          </a:prstGeom>
+          <a:ln w="9525" cap="flat" cmpd="sng" algn="ctr">
+            <a:solidFill>
+              <a:schemeClr val="accent2"/>
+            </a:solidFill>
+            <a:prstDash val="solid"/>
+            <a:round/>
+            <a:headEnd type="none" w="med" len="med"/>
+            <a:tailEnd type="arrow" w="med" len="med"/>
+          </a:ln>
+        </p:spPr>
+        <p:style>
+          <a:lnRef idx="0">
+            <a:scrgbClr r="0" g="0" b="0"/>
+          </a:lnRef>
+          <a:fillRef idx="0">
+            <a:scrgbClr r="0" g="0" b="0"/>
+          </a:fillRef>
+          <a:effectRef idx="0">
+            <a:scrgbClr r="0" g="0" b="0"/>
+          </a:effectRef>
+          <a:fontRef idx="minor">
+            <a:schemeClr val="tx1"/>
+          </a:fontRef>
+        </p:style>
+      </p:cxnSp>
+      <p:cxnSp>
+        <p:nvCxnSpPr>
+          <p:cNvPr id="105" name="Straight Arrow Connector 104">
+            <a:extLst>
+              <a:ext uri="{FF2B5EF4-FFF2-40B4-BE49-F238E27FC236}">
+                <a16:creationId xmlns:a16="http://schemas.microsoft.com/office/drawing/2014/main" id="{F768C0E8-9C6F-95E0-9653-06330D82A37E}"/>
+              </a:ext>
+            </a:extLst>
+          </p:cNvPr>
+          <p:cNvCxnSpPr>
+            <a:cxnSpLocks/>
+          </p:cNvCxnSpPr>
+          <p:nvPr/>
+        </p:nvCxnSpPr>
+        <p:spPr>
+          <a:xfrm flipH="1" flipV="1">
+            <a:off x="5111735" y="2932724"/>
+            <a:ext cx="903924" cy="200927"/>
+          </a:xfrm>
+          <a:prstGeom prst="straightConnector1">
+            <a:avLst/>
+          </a:prstGeom>
+          <a:ln w="9525" cap="flat" cmpd="sng" algn="ctr">
+            <a:solidFill>
+              <a:schemeClr val="accent2"/>
+            </a:solidFill>
+            <a:prstDash val="solid"/>
+            <a:round/>
+            <a:headEnd type="none" w="med" len="med"/>
+            <a:tailEnd type="arrow" w="med" len="med"/>
+          </a:ln>
+        </p:spPr>
+        <p:style>
+          <a:lnRef idx="0">
+            <a:scrgbClr r="0" g="0" b="0"/>
+          </a:lnRef>
+          <a:fillRef idx="0">
+            <a:scrgbClr r="0" g="0" b="0"/>
+          </a:fillRef>
+          <a:effectRef idx="0">
+            <a:scrgbClr r="0" g="0" b="0"/>
+          </a:effectRef>
+          <a:fontRef idx="minor">
+            <a:schemeClr val="tx1"/>
+          </a:fontRef>
+        </p:style>
+      </p:cxnSp>
+      <p:sp>
+        <p:nvSpPr>
+          <p:cNvPr id="110" name="TextBox 109">
+            <a:extLst>
+              <a:ext uri="{FF2B5EF4-FFF2-40B4-BE49-F238E27FC236}">
+                <a16:creationId xmlns:a16="http://schemas.microsoft.com/office/drawing/2014/main" id="{2845E4D2-5D15-B688-FFB1-7CF49C88CA21}"/>
+              </a:ext>
+            </a:extLst>
+          </p:cNvPr>
+          <p:cNvSpPr txBox="1"/>
+          <p:nvPr/>
+        </p:nvSpPr>
+        <p:spPr>
+          <a:xfrm rot="447973">
+            <a:off x="5403889" y="2819424"/>
+            <a:ext cx="1378070" cy="307777"/>
+          </a:xfrm>
+          <a:prstGeom prst="rect">
+            <a:avLst/>
+          </a:prstGeom>
+          <a:noFill/>
+        </p:spPr>
+        <p:txBody>
+          <a:bodyPr wrap="none" rtlCol="0">
+            <a:spAutoFit/>
+          </a:bodyPr>
+          <a:lstStyle/>
+          <a:p>
+            <a:r>
+              <a:rPr lang="en-US" sz="1400" dirty="0"/>
+              <a:t>Stream segment</a:t>
+            </a:r>
+          </a:p>
+        </p:txBody>
+      </p:sp>
+    </p:spTree>
+    <p:extLst>
+      <p:ext uri="{BB962C8B-B14F-4D97-AF65-F5344CB8AC3E}">
+        <p14:creationId xmlns:p14="http://schemas.microsoft.com/office/powerpoint/2010/main" val="3570899498"/>
+      </p:ext>
+    </p:extLst>
+  </p:cSld>
+  <p:clrMapOvr>
+    <a:masterClrMapping/>
+  </p:clrMapOvr>
+</p:sld>
+</file>
+
 <file path=ppt/theme/theme1.xml><?xml version="1.0" encoding="utf-8"?>
 <a:theme xmlns:a="http://schemas.openxmlformats.org/drawingml/2006/main" name="Office Theme">
   <a:themeElements>
